--- a/deck/dms-workshop-nosql.pptx
+++ b/deck/dms-workshop-nosql.pptx
@@ -358,7 +358,7 @@
             <a:fld id="{0B25AC41-3BEC-9247-8322-91B80C013F2D}" type="datetimeFigureOut">
               <a:rPr lang="en-US" smtClean="0"/>
               <a:pPr/>
-              <a:t>10/24/17</a:t>
+              <a:t>10/26/17</a:t>
             </a:fld>
             <a:endParaRPr lang="en-US" dirty="0"/>
           </a:p>
@@ -5030,7 +5030,15 @@
                 <a:ea typeface="Amazon Ember Light" charset="0"/>
                 <a:cs typeface="Amazon Ember Light" charset="0"/>
               </a:rPr>
-              <a:t>Revised 2017.10.24</a:t>
+              <a:t>Revised </a:t>
+            </a:r>
+            <a:r>
+              <a:rPr lang="en-US" dirty="0" smtClean="0">
+                <a:latin typeface="Amazon Ember Light" charset="0"/>
+                <a:ea typeface="Amazon Ember Light" charset="0"/>
+                <a:cs typeface="Amazon Ember Light" charset="0"/>
+              </a:rPr>
+              <a:t>2017.10.26</a:t>
             </a:r>
             <a:endParaRPr lang="en-US" dirty="0">
               <a:latin typeface="Amazon Ember Light" charset="0"/>
@@ -5268,8 +5276,21 @@
                 <a:ea typeface="Amazon Ember Light" charset="0"/>
                 <a:cs typeface="Amazon Ember Light" charset="0"/>
               </a:rPr>
-              <a:t>Name: workshop</a:t>
-            </a:r>
+              <a:t>Name: </a:t>
+            </a:r>
+            <a:r>
+              <a:rPr lang="en-US" b="1" dirty="0" smtClean="0">
+                <a:latin typeface="Amazon Ember Light" charset="0"/>
+                <a:ea typeface="Amazon Ember Light" charset="0"/>
+                <a:cs typeface="Amazon Ember Light" charset="0"/>
+              </a:rPr>
+              <a:t>workshop</a:t>
+            </a:r>
+            <a:endParaRPr lang="en-US" b="1" dirty="0" smtClean="0">
+              <a:latin typeface="Amazon Ember Light" charset="0"/>
+              <a:ea typeface="Amazon Ember Light" charset="0"/>
+              <a:cs typeface="Amazon Ember Light" charset="0"/>
+            </a:endParaRPr>
           </a:p>
           <a:p>
             <a:pPr lvl="1"/>
@@ -5309,8 +5330,21 @@
                 <a:ea typeface="Amazon Ember Light" charset="0"/>
                 <a:cs typeface="Amazon Ember Light" charset="0"/>
               </a:rPr>
-              <a:t> template:</a:t>
-            </a:r>
+              <a:t> template</a:t>
+            </a:r>
+            <a:r>
+              <a:rPr lang="en-US" dirty="0" smtClean="0">
+                <a:latin typeface="Amazon Ember Light" charset="0"/>
+                <a:ea typeface="Amazon Ember Light" charset="0"/>
+                <a:cs typeface="Amazon Ember Light" charset="0"/>
+              </a:rPr>
+              <a:t>:</a:t>
+            </a:r>
+            <a:endParaRPr lang="en-US" dirty="0" smtClean="0">
+              <a:latin typeface="Amazon Ember Light" charset="0"/>
+              <a:ea typeface="Amazon Ember Light" charset="0"/>
+              <a:cs typeface="Amazon Ember Light" charset="0"/>
+            </a:endParaRPr>
           </a:p>
           <a:p>
             <a:pPr lvl="1"/>
@@ -5320,7 +5354,63 @@
                 <a:ea typeface="Amazon Ember Light" charset="0"/>
                 <a:cs typeface="Amazon Ember Light" charset="0"/>
               </a:rPr>
-              <a:t>Creates MongoDB source instance</a:t>
+              <a:t>Stack Name: </a:t>
+            </a:r>
+            <a:r>
+              <a:rPr lang="en-US" b="1" dirty="0" smtClean="0">
+                <a:latin typeface="Amazon Ember Light" charset="0"/>
+                <a:ea typeface="Amazon Ember Light" charset="0"/>
+                <a:cs typeface="Amazon Ember Light" charset="0"/>
+              </a:rPr>
+              <a:t>workshop-</a:t>
+            </a:r>
+            <a:r>
+              <a:rPr lang="en-US" b="1" dirty="0" err="1" smtClean="0">
+                <a:latin typeface="Amazon Ember Light" charset="0"/>
+                <a:ea typeface="Amazon Ember Light" charset="0"/>
+                <a:cs typeface="Amazon Ember Light" charset="0"/>
+              </a:rPr>
+              <a:t>cfn</a:t>
+            </a:r>
+            <a:r>
+              <a:rPr lang="en-US" b="1" dirty="0" smtClean="0">
+                <a:latin typeface="Amazon Ember Light" charset="0"/>
+                <a:ea typeface="Amazon Ember Light" charset="0"/>
+                <a:cs typeface="Amazon Ember Light" charset="0"/>
+              </a:rPr>
+              <a:t>-</a:t>
+            </a:r>
+            <a:r>
+              <a:rPr lang="en-US" b="1" dirty="0" err="1" smtClean="0">
+                <a:latin typeface="Amazon Ember Light" charset="0"/>
+                <a:ea typeface="Amazon Ember Light" charset="0"/>
+                <a:cs typeface="Amazon Ember Light" charset="0"/>
+              </a:rPr>
+              <a:t>nosql</a:t>
+            </a:r>
+            <a:endParaRPr lang="en-US" b="1" dirty="0" smtClean="0">
+              <a:latin typeface="Amazon Ember Light" charset="0"/>
+              <a:ea typeface="Amazon Ember Light" charset="0"/>
+              <a:cs typeface="Amazon Ember Light" charset="0"/>
+            </a:endParaRPr>
+          </a:p>
+          <a:p>
+            <a:pPr lvl="1"/>
+            <a:r>
+              <a:rPr lang="en-US" dirty="0" smtClean="0">
+                <a:latin typeface="Amazon Ember Light" charset="0"/>
+                <a:ea typeface="Amazon Ember Light" charset="0"/>
+                <a:cs typeface="Amazon Ember Light" charset="0"/>
+              </a:rPr>
+              <a:t>Creates </a:t>
+            </a:r>
+            <a:r>
+              <a:rPr lang="en-US" dirty="0" smtClean="0">
+                <a:latin typeface="Amazon Ember Light" charset="0"/>
+                <a:ea typeface="Amazon Ember Light" charset="0"/>
+                <a:cs typeface="Amazon Ember Light" charset="0"/>
+              </a:rPr>
+              <a:t>MongoDB source instance</a:t>
             </a:r>
           </a:p>
           <a:p>
@@ -7480,23 +7570,7 @@
                 <a:ea typeface="Amazon Ember Light" charset="0"/>
                 <a:cs typeface="Amazon Ember Light" charset="0"/>
               </a:rPr>
-              <a:t>priced based on both storage and throughput, where throughput is measured in read </a:t>
-            </a:r>
-            <a:r>
-              <a:rPr lang="en-US" sz="1800" dirty="0" smtClean="0">
-                <a:latin typeface="Amazon Ember Light" charset="0"/>
-                <a:ea typeface="Amazon Ember Light" charset="0"/>
-                <a:cs typeface="Amazon Ember Light" charset="0"/>
-              </a:rPr>
-              <a:t>capacity </a:t>
-            </a:r>
-            <a:r>
-              <a:rPr lang="en-US" sz="1800" dirty="0" smtClean="0">
-                <a:latin typeface="Amazon Ember Light" charset="0"/>
-                <a:ea typeface="Amazon Ember Light" charset="0"/>
-                <a:cs typeface="Amazon Ember Light" charset="0"/>
-              </a:rPr>
-              <a:t>and write capacity, and can be scaled independently of each other</a:t>
+              <a:t>priced based on both storage and throughput, where throughput is measured in read capacity and write capacity, and can be scaled independently of each other</a:t>
             </a:r>
             <a:endParaRPr lang="en-US" dirty="0">
               <a:latin typeface="Amazon Ember Light" charset="0"/>
